--- a/CSharp_Concepts_Presentation_With_All_Links.pptx
+++ b/CSharp_Concepts_Presentation_With_All_Links.pptx
@@ -4025,6 +4025,53 @@
               <a:rPr dirty="0"/>
               <a:t>With generic math, you can write type-agnostic code that works with numeric types, such as int, double, or float, while maintaining type safety.</a:t>
             </a:r>
+          </a:p>
+        </p:txBody>
+      </p:sp>
+      <p:sp>
+        <p:nvSpPr>
+          <p:cNvPr id="4" name="TextBox 3">
+            <a:extLst>
+              <a:ext uri="{FF2B5EF4-FFF2-40B4-BE49-F238E27FC236}">
+                <a16:creationId xmlns:a16="http://schemas.microsoft.com/office/drawing/2014/main" id="{A9884DD7-A5D0-CF0D-2F17-9D01E4FF289C}"/>
+              </a:ext>
+            </a:extLst>
+          </p:cNvPr>
+          <p:cNvSpPr txBox="1"/>
+          <p:nvPr/>
+        </p:nvSpPr>
+        <p:spPr>
+          <a:xfrm>
+            <a:off x="687896" y="5257800"/>
+            <a:ext cx="3213124" cy="646331"/>
+          </a:xfrm>
+          <a:prstGeom prst="rect">
+            <a:avLst/>
+          </a:prstGeom>
+          <a:noFill/>
+        </p:spPr>
+        <p:txBody>
+          <a:bodyPr wrap="none">
+            <a:spAutoFit/>
+          </a:bodyPr>
+          <a:lstStyle/>
+          <a:p>
+            <a:endParaRPr lang="en-NL" dirty="0"/>
+          </a:p>
+          <a:p>
+            <a:r>
+              <a:rPr lang="en-US" dirty="0"/>
+              <a:t>Generic Math support </a:t>
+            </a:r>
+            <a:r>
+              <a:rPr lang="en-US" sz="1400" dirty="0">
+                <a:hlinkClick r:id="rId2"/>
+              </a:rPr>
+              <a:t>(Read more)</a:t>
+            </a:r>
+            <a:endParaRPr lang="en-US" sz="1400" dirty="0">
+              <a:hlinkClick r:id="rId3"/>
+            </a:endParaRPr>
           </a:p>
         </p:txBody>
       </p:sp>
